--- a/LottogewinnerPräsentation.pptx
+++ b/LottogewinnerPräsentation.pptx
@@ -12,9 +12,10 @@
     <p:sldId id="260" r:id="rId6"/>
     <p:sldId id="261" r:id="rId7"/>
     <p:sldId id="262" r:id="rId8"/>
-    <p:sldId id="263" r:id="rId9"/>
-    <p:sldId id="265" r:id="rId10"/>
-    <p:sldId id="264" r:id="rId11"/>
+    <p:sldId id="266" r:id="rId9"/>
+    <p:sldId id="263" r:id="rId10"/>
+    <p:sldId id="265" r:id="rId11"/>
+    <p:sldId id="264" r:id="rId12"/>
   </p:sldIdLst>
   <p:sldSz cx="12192000" cy="6858000"/>
   <p:notesSz cx="6858000" cy="9144000"/>
@@ -113,7 +114,16 @@
       </a:defRPr>
     </a:lvl9pPr>
   </p:defaultTextStyle>
+  <p:extLst>
+    <p:ext uri="{EFAFB233-063F-42B5-8137-9DF3F51BA10A}">
+      <p15:sldGuideLst xmlns:p15="http://schemas.microsoft.com/office/powerpoint/2012/main"/>
+    </p:ext>
+  </p:extLst>
 </p:presentation>
+</file>
+
+<file path=ppt/revisionInfo.xml><?xml version="1.0" encoding="utf-8"?>
+<p1510:revInfo xmlns:a="http://schemas.openxmlformats.org/drawingml/2006/main" xmlns:r="http://schemas.openxmlformats.org/officeDocument/2006/relationships" xmlns:p1510="http://schemas.microsoft.com/office/powerpoint/2015/10/main"/>
 </file>
 
 <file path=ppt/slideLayouts/slideLayout1.xml><?xml version="1.0" encoding="utf-8"?>
@@ -4398,7 +4408,7 @@
           <a:p>
             <a:fld id="{48A87A34-81AB-432B-8DAE-1953F412C126}" type="datetimeFigureOut">
               <a:rPr lang="en-US" dirty="0"/>
-              <a:t>7/11/2017</a:t>
+              <a:t>7/23/2017</a:t>
             </a:fld>
             <a:endParaRPr lang="en-US" dirty="0"/>
           </a:p>
@@ -4660,7 +4670,7 @@
           <a:p>
             <a:fld id="{48A87A34-81AB-432B-8DAE-1953F412C126}" type="datetimeFigureOut">
               <a:rPr lang="en-US" dirty="0"/>
-              <a:t>7/11/2017</a:t>
+              <a:t>7/23/2017</a:t>
             </a:fld>
             <a:endParaRPr lang="en-US" dirty="0"/>
           </a:p>
@@ -4851,7 +4861,7 @@
           <a:p>
             <a:fld id="{48A87A34-81AB-432B-8DAE-1953F412C126}" type="datetimeFigureOut">
               <a:rPr lang="en-US" dirty="0"/>
-              <a:t>7/11/2017</a:t>
+              <a:t>7/23/2017</a:t>
             </a:fld>
             <a:endParaRPr lang="en-US" dirty="0"/>
           </a:p>
@@ -5109,7 +5119,7 @@
           <a:p>
             <a:fld id="{48A87A34-81AB-432B-8DAE-1953F412C126}" type="datetimeFigureOut">
               <a:rPr lang="en-US" dirty="0"/>
-              <a:t>7/11/2017</a:t>
+              <a:t>7/23/2017</a:t>
             </a:fld>
             <a:endParaRPr lang="en-US" dirty="0"/>
           </a:p>
@@ -5538,7 +5548,7 @@
           <a:p>
             <a:fld id="{48A87A34-81AB-432B-8DAE-1953F412C126}" type="datetimeFigureOut">
               <a:rPr lang="en-US" dirty="0"/>
-              <a:t>7/11/2017</a:t>
+              <a:t>7/23/2017</a:t>
             </a:fld>
             <a:endParaRPr lang="en-US" dirty="0"/>
           </a:p>
@@ -6079,7 +6089,7 @@
           <a:p>
             <a:fld id="{48A87A34-81AB-432B-8DAE-1953F412C126}" type="datetimeFigureOut">
               <a:rPr lang="en-US" dirty="0"/>
-              <a:t>7/11/2017</a:t>
+              <a:t>7/23/2017</a:t>
             </a:fld>
             <a:endParaRPr lang="en-US" dirty="0"/>
           </a:p>
@@ -6794,7 +6804,7 @@
           <a:p>
             <a:fld id="{48A87A34-81AB-432B-8DAE-1953F412C126}" type="datetimeFigureOut">
               <a:rPr lang="en-US" dirty="0"/>
-              <a:t>7/11/2017</a:t>
+              <a:t>7/23/2017</a:t>
             </a:fld>
             <a:endParaRPr lang="en-US" dirty="0"/>
           </a:p>
@@ -6959,7 +6969,7 @@
           <a:p>
             <a:fld id="{48A87A34-81AB-432B-8DAE-1953F412C126}" type="datetimeFigureOut">
               <a:rPr lang="en-US" dirty="0"/>
-              <a:t>7/11/2017</a:t>
+              <a:t>7/23/2017</a:t>
             </a:fld>
             <a:endParaRPr lang="en-US" dirty="0"/>
           </a:p>
@@ -7134,7 +7144,7 @@
           <a:p>
             <a:fld id="{48A87A34-81AB-432B-8DAE-1953F412C126}" type="datetimeFigureOut">
               <a:rPr lang="en-US" dirty="0"/>
-              <a:t>7/11/2017</a:t>
+              <a:t>7/23/2017</a:t>
             </a:fld>
             <a:endParaRPr lang="en-US" dirty="0"/>
           </a:p>
@@ -7299,7 +7309,7 @@
           <a:p>
             <a:fld id="{48A87A34-81AB-432B-8DAE-1953F412C126}" type="datetimeFigureOut">
               <a:rPr lang="en-US" dirty="0"/>
-              <a:t>7/11/2017</a:t>
+              <a:t>7/23/2017</a:t>
             </a:fld>
             <a:endParaRPr lang="en-US" dirty="0"/>
           </a:p>
@@ -7544,7 +7554,7 @@
           <a:p>
             <a:fld id="{48A87A34-81AB-432B-8DAE-1953F412C126}" type="datetimeFigureOut">
               <a:rPr lang="en-US" dirty="0"/>
-              <a:t>7/11/2017</a:t>
+              <a:t>7/23/2017</a:t>
             </a:fld>
             <a:endParaRPr lang="en-US" dirty="0"/>
           </a:p>
@@ -7771,7 +7781,7 @@
           <a:p>
             <a:fld id="{48A87A34-81AB-432B-8DAE-1953F412C126}" type="datetimeFigureOut">
               <a:rPr lang="en-US" dirty="0"/>
-              <a:t>7/11/2017</a:t>
+              <a:t>7/23/2017</a:t>
             </a:fld>
             <a:endParaRPr lang="en-US" dirty="0"/>
           </a:p>
@@ -8147,7 +8157,7 @@
           <a:p>
             <a:fld id="{48A87A34-81AB-432B-8DAE-1953F412C126}" type="datetimeFigureOut">
               <a:rPr lang="en-US" dirty="0"/>
-              <a:t>7/11/2017</a:t>
+              <a:t>7/23/2017</a:t>
             </a:fld>
             <a:endParaRPr lang="en-US" dirty="0"/>
           </a:p>
@@ -8260,7 +8270,7 @@
           <a:p>
             <a:fld id="{48A87A34-81AB-432B-8DAE-1953F412C126}" type="datetimeFigureOut">
               <a:rPr lang="en-US" dirty="0"/>
-              <a:t>7/11/2017</a:t>
+              <a:t>7/23/2017</a:t>
             </a:fld>
             <a:endParaRPr lang="en-US" dirty="0"/>
           </a:p>
@@ -8350,7 +8360,7 @@
           <a:p>
             <a:fld id="{48A87A34-81AB-432B-8DAE-1953F412C126}" type="datetimeFigureOut">
               <a:rPr lang="en-US" dirty="0"/>
-              <a:t>7/11/2017</a:t>
+              <a:t>7/23/2017</a:t>
             </a:fld>
             <a:endParaRPr lang="en-US" dirty="0"/>
           </a:p>
@@ -8594,7 +8604,7 @@
           <a:p>
             <a:fld id="{48A87A34-81AB-432B-8DAE-1953F412C126}" type="datetimeFigureOut">
               <a:rPr lang="en-US" dirty="0"/>
-              <a:t>7/11/2017</a:t>
+              <a:t>7/23/2017</a:t>
             </a:fld>
             <a:endParaRPr lang="en-US" dirty="0"/>
           </a:p>
@@ -8869,7 +8879,7 @@
           <a:p>
             <a:fld id="{48A87A34-81AB-432B-8DAE-1953F412C126}" type="datetimeFigureOut">
               <a:rPr lang="en-US" dirty="0"/>
-              <a:t>7/11/2017</a:t>
+              <a:t>7/23/2017</a:t>
             </a:fld>
             <a:endParaRPr lang="en-US" dirty="0"/>
           </a:p>
@@ -11932,7 +11942,7 @@
             <a:fld id="{48A87A34-81AB-432B-8DAE-1953F412C126}" type="datetimeFigureOut">
               <a:rPr lang="en-US" dirty="0"/>
               <a:pPr/>
-              <a:t>7/11/2017</a:t>
+              <a:t>7/23/2017</a:t>
             </a:fld>
             <a:endParaRPr lang="en-US" dirty="0"/>
           </a:p>
@@ -12439,6 +12449,151 @@
           <p:cNvPr id="2" name="Titel 1">
             <a:extLst>
               <a:ext uri="{FF2B5EF4-FFF2-40B4-BE49-F238E27FC236}">
+                <a16:creationId xmlns:a16="http://schemas.microsoft.com/office/drawing/2014/main" id="{8D75A12F-BA69-4F6C-A041-022C0E35A9E4}"/>
+              </a:ext>
+            </a:extLst>
+          </p:cNvPr>
+          <p:cNvSpPr>
+            <a:spLocks noGrp="1"/>
+          </p:cNvSpPr>
+          <p:nvPr>
+            <p:ph type="title"/>
+          </p:nvPr>
+        </p:nvSpPr>
+        <p:spPr/>
+        <p:txBody>
+          <a:bodyPr/>
+          <a:lstStyle/>
+          <a:p>
+            <a:r>
+              <a:rPr lang="de-DE" dirty="0"/>
+              <a:t>Resultat</a:t>
+            </a:r>
+          </a:p>
+        </p:txBody>
+      </p:sp>
+      <p:sp>
+        <p:nvSpPr>
+          <p:cNvPr id="3" name="Inhaltsplatzhalter 2">
+            <a:extLst>
+              <a:ext uri="{FF2B5EF4-FFF2-40B4-BE49-F238E27FC236}">
+                <a16:creationId xmlns:a16="http://schemas.microsoft.com/office/drawing/2014/main" id="{177AA439-C03C-4467-92D0-FA6AAF4F6024}"/>
+              </a:ext>
+            </a:extLst>
+          </p:cNvPr>
+          <p:cNvSpPr>
+            <a:spLocks noGrp="1"/>
+          </p:cNvSpPr>
+          <p:nvPr>
+            <p:ph idx="1"/>
+          </p:nvPr>
+        </p:nvSpPr>
+        <p:spPr/>
+        <p:txBody>
+          <a:bodyPr>
+            <a:normAutofit fontScale="92500" lnSpcReduction="10000"/>
+          </a:bodyPr>
+          <a:lstStyle/>
+          <a:p>
+            <a:r>
+              <a:rPr lang="de-DE" dirty="0"/>
+              <a:t>Beliebig um weitere Systeme erweiterbar</a:t>
+            </a:r>
+          </a:p>
+          <a:p>
+            <a:pPr lvl="1"/>
+            <a:r>
+              <a:rPr lang="de-DE" dirty="0"/>
+              <a:t>Z.B. Häufige Kombination von 2 Zahlen</a:t>
+            </a:r>
+          </a:p>
+          <a:p>
+            <a:r>
+              <a:rPr lang="de-DE" dirty="0"/>
+              <a:t>Probleme mit 2D-Arrays und der Ausgabe dieser </a:t>
+            </a:r>
+          </a:p>
+          <a:p>
+            <a:pPr lvl="1"/>
+            <a:r>
+              <a:rPr lang="de-DE" dirty="0"/>
+              <a:t>Falsche Zahlen werden ausgegeben (außer bei den Lottoreihen)</a:t>
+            </a:r>
+          </a:p>
+          <a:p>
+            <a:r>
+              <a:rPr lang="de-DE" dirty="0"/>
+              <a:t>Zeitprobleme</a:t>
+            </a:r>
+          </a:p>
+          <a:p>
+            <a:pPr lvl="1"/>
+            <a:r>
+              <a:rPr lang="de-DE" dirty="0"/>
+              <a:t> GUI und weitere Systeme nicht mehr machbar</a:t>
+            </a:r>
+          </a:p>
+          <a:p>
+            <a:r>
+              <a:rPr lang="de-DE" dirty="0"/>
+              <a:t>Einlesen der Statistik</a:t>
+            </a:r>
+          </a:p>
+          <a:p>
+            <a:pPr lvl="1"/>
+            <a:r>
+              <a:rPr lang="de-DE" dirty="0"/>
+              <a:t>Aus Textdatei in eine </a:t>
+            </a:r>
+            <a:r>
+              <a:rPr lang="de-DE" dirty="0" err="1"/>
+              <a:t>ArrayList</a:t>
+            </a:r>
+            <a:r>
+              <a:rPr lang="de-DE" dirty="0"/>
+              <a:t>, bzw. manuell in einem 2D-Array</a:t>
+            </a:r>
+          </a:p>
+          <a:p>
+            <a:endParaRPr lang="de-DE" dirty="0"/>
+          </a:p>
+        </p:txBody>
+      </p:sp>
+    </p:spTree>
+    <p:extLst>
+      <p:ext uri="{BB962C8B-B14F-4D97-AF65-F5344CB8AC3E}">
+        <p14:creationId xmlns:p14="http://schemas.microsoft.com/office/powerpoint/2010/main" val="4247930801"/>
+      </p:ext>
+    </p:extLst>
+  </p:cSld>
+  <p:clrMapOvr>
+    <a:masterClrMapping/>
+  </p:clrMapOvr>
+</p:sld>
+</file>
+
+<file path=ppt/slides/slide11.xml><?xml version="1.0" encoding="utf-8"?>
+<p:sld xmlns:a="http://schemas.openxmlformats.org/drawingml/2006/main" xmlns:r="http://schemas.openxmlformats.org/officeDocument/2006/relationships" xmlns:p="http://schemas.openxmlformats.org/presentationml/2006/main">
+  <p:cSld>
+    <p:spTree>
+      <p:nvGrpSpPr>
+        <p:cNvPr id="1" name=""/>
+        <p:cNvGrpSpPr/>
+        <p:nvPr/>
+      </p:nvGrpSpPr>
+      <p:grpSpPr>
+        <a:xfrm>
+          <a:off x="0" y="0"/>
+          <a:ext cx="0" cy="0"/>
+          <a:chOff x="0" y="0"/>
+          <a:chExt cx="0" cy="0"/>
+        </a:xfrm>
+      </p:grpSpPr>
+      <p:sp>
+        <p:nvSpPr>
+          <p:cNvPr id="2" name="Titel 1">
+            <a:extLst>
+              <a:ext uri="{FF2B5EF4-FFF2-40B4-BE49-F238E27FC236}">
                 <a16:creationId xmlns:a16="http://schemas.microsoft.com/office/drawing/2014/main" id="{46169D30-EE0F-47D6-ACDB-59E42E93CF1F}"/>
               </a:ext>
             </a:extLst>
@@ -12492,7 +12647,7 @@
             <a:pPr lvl="1"/>
             <a:r>
               <a:rPr lang="de-DE" dirty="0"/>
-              <a:t>JDK (Download-Link in der Read-Me)</a:t>
+              <a:t>JDK (Download-Link in der Read-Me) und Java</a:t>
             </a:r>
           </a:p>
           <a:p>
@@ -12712,7 +12867,28 @@
           <a:p>
             <a:r>
               <a:rPr lang="de-DE" dirty="0"/>
-              <a:t>Ein Programm schreiben, mit dessen Hilfe man ein Lottosystem entwickeln kann</a:t>
+              <a:t>Ein Lottosystem entwickeln</a:t>
+            </a:r>
+          </a:p>
+          <a:p>
+            <a:pPr lvl="1"/>
+            <a:r>
+              <a:rPr lang="de-DE" dirty="0"/>
+              <a:t>Nach Häufigkeit sortieren </a:t>
+            </a:r>
+          </a:p>
+          <a:p>
+            <a:pPr lvl="1"/>
+            <a:r>
+              <a:rPr lang="de-DE" dirty="0"/>
+              <a:t>In 6 Bereiche unterteilen</a:t>
+            </a:r>
+          </a:p>
+          <a:p>
+            <a:pPr lvl="1"/>
+            <a:r>
+              <a:rPr lang="de-DE" dirty="0"/>
+              <a:t>Aus jedem Bereich eine Zahl ausgeben</a:t>
             </a:r>
           </a:p>
           <a:p>
@@ -12732,12 +12908,8 @@
             <a:pPr lvl="1"/>
             <a:r>
               <a:rPr lang="de-DE" dirty="0"/>
-              <a:t>Welche zwei Zahlen kommen wie häufig in Kombination vor?</a:t>
-            </a:r>
-          </a:p>
-          <a:p>
-            <a:pPr lvl="1"/>
-            <a:endParaRPr lang="de-DE" dirty="0"/>
+              <a:t>Weitere Statistiken für weitere Systeme</a:t>
+            </a:r>
           </a:p>
           <a:p>
             <a:pPr lvl="1"/>
@@ -12826,28 +12998,30 @@
           <a:p>
             <a:r>
               <a:rPr lang="de-DE" dirty="0"/>
+              <a:t>Unsere Definition</a:t>
+            </a:r>
+          </a:p>
+          <a:p>
+            <a:r>
+              <a:rPr lang="de-DE" dirty="0"/>
               <a:t>Wissenstechnologie: Technologien zum Erwerb, Erweitern, Teilen oder Speichern von Wissen</a:t>
             </a:r>
           </a:p>
           <a:p>
-            <a:pPr lvl="1"/>
+            <a:endParaRPr lang="de-DE" dirty="0"/>
+          </a:p>
+          <a:p>
+            <a:pPr>
+              <a:buFont typeface="Wingdings" panose="05000000000000000000" pitchFamily="2" charset="2"/>
+              <a:buChar char="Ø"/>
+            </a:pPr>
             <a:r>
               <a:rPr lang="de-DE" dirty="0"/>
               <a:t>Basis: Umgang mit Wissen</a:t>
             </a:r>
           </a:p>
           <a:p>
-            <a:r>
-              <a:rPr lang="de-DE" dirty="0"/>
-              <a:t>Lottogewinner: System, um Lottoreihen zu generieren</a:t>
-            </a:r>
-          </a:p>
-          <a:p>
-            <a:pPr lvl="1"/>
-            <a:r>
-              <a:rPr lang="de-DE" dirty="0"/>
-              <a:t>Höhere Siegeschance?</a:t>
-            </a:r>
+            <a:endParaRPr lang="de-DE" dirty="0"/>
           </a:p>
         </p:txBody>
       </p:sp>
@@ -13132,8 +13306,13 @@
           <a:p>
             <a:r>
               <a:rPr lang="de-DE" dirty="0"/>
-              <a:t>Methoden</a:t>
-            </a:r>
+              <a:t>Methoden - </a:t>
+            </a:r>
+            <a:r>
+              <a:rPr lang="de-DE" dirty="0" err="1"/>
+              <a:t>grundgedanke</a:t>
+            </a:r>
+            <a:endParaRPr lang="de-DE" dirty="0"/>
           </a:p>
         </p:txBody>
       </p:sp>
@@ -13168,7 +13347,7 @@
           <a:p>
             <a:r>
               <a:rPr lang="de-DE" dirty="0"/>
-              <a:t>Liest Statistiken ein</a:t>
+              <a:t>Liest Statistik ein</a:t>
             </a:r>
           </a:p>
           <a:p>
@@ -13178,23 +13357,7 @@
             </a:r>
           </a:p>
           <a:p>
-            <a:r>
-              <a:rPr lang="de-DE" dirty="0"/>
-              <a:t>Möglich ein Muster abzuprüfen</a:t>
-            </a:r>
-          </a:p>
-          <a:p>
-            <a:pPr lvl="1"/>
-            <a:r>
-              <a:rPr lang="de-DE" dirty="0"/>
-              <a:t>6 Zahlen ein einer Reihe werden mit den bereits gezogenen Reihen verglichen</a:t>
-            </a:r>
-          </a:p>
-          <a:p>
-            <a:r>
-              <a:rPr lang="de-DE" dirty="0"/>
-              <a:t>Eine Lottoreihe wird ausgegeben mit sehr wahrscheinlichen Kombinationen</a:t>
-            </a:r>
+            <a:endParaRPr lang="de-DE" dirty="0"/>
           </a:p>
         </p:txBody>
       </p:sp>
@@ -13233,7 +13396,7 @@
           <p:cNvPr id="2" name="Titel 1">
             <a:extLst>
               <a:ext uri="{FF2B5EF4-FFF2-40B4-BE49-F238E27FC236}">
-                <a16:creationId xmlns:a16="http://schemas.microsoft.com/office/drawing/2014/main" id="{A14A436A-63A2-401D-A1B9-2A265364A91C}"/>
+                <a16:creationId xmlns:a16="http://schemas.microsoft.com/office/drawing/2014/main" id="{E38E033B-2811-4D9F-98D1-67679486E5AF}"/>
               </a:ext>
             </a:extLst>
           </p:cNvPr>
@@ -13261,7 +13424,7 @@
           <p:cNvPr id="3" name="Inhaltsplatzhalter 2">
             <a:extLst>
               <a:ext uri="{FF2B5EF4-FFF2-40B4-BE49-F238E27FC236}">
-                <a16:creationId xmlns:a16="http://schemas.microsoft.com/office/drawing/2014/main" id="{1477B56A-C412-4D01-B73A-9FB761F4B9F0}"/>
+                <a16:creationId xmlns:a16="http://schemas.microsoft.com/office/drawing/2014/main" id="{5B65EBFA-E58B-4D46-B8CB-EC34CAC3FD37}"/>
               </a:ext>
             </a:extLst>
           </p:cNvPr>
@@ -13274,42 +13437,73 @@
         </p:nvSpPr>
         <p:spPr/>
         <p:txBody>
-          <a:bodyPr/>
+          <a:bodyPr>
+            <a:normAutofit fontScale="92500" lnSpcReduction="10000"/>
+          </a:bodyPr>
           <a:lstStyle/>
           <a:p>
             <a:r>
               <a:rPr lang="de-DE" dirty="0"/>
-              <a:t>Gewinnt man jetzt sicher im Lotto?</a:t>
+              <a:t>Möglich ein Muster abzuprüfen</a:t>
             </a:r>
           </a:p>
           <a:p>
             <a:pPr lvl="1"/>
             <a:r>
-              <a:rPr lang="de-DE" sz="3200" b="1" dirty="0"/>
-              <a:t>Nein, </a:t>
-            </a:r>
-            <a:r>
               <a:rPr lang="de-DE" dirty="0"/>
-              <a:t>weil die Wahrscheinlichkeit 6 Richtige zu tippen gleich bleibt</a:t>
+              <a:t>6 Zahlen ein einer Reihe werden mit den bereits gezogenen Reihen verglichen</a:t>
+            </a:r>
+          </a:p>
+          <a:p>
+            <a:r>
+              <a:rPr lang="de-DE" dirty="0"/>
+              <a:t>6 Zahlenreihen werden ausgegeben</a:t>
             </a:r>
           </a:p>
           <a:p>
             <a:pPr lvl="1"/>
             <a:r>
-              <a:rPr lang="de-DE" sz="3200" b="1" dirty="0"/>
-              <a:t>Aber, </a:t>
-            </a:r>
-            <a:r>
               <a:rPr lang="de-DE" dirty="0"/>
-              <a:t>es beruht auf Statistik und Wahrscheinlichkeit und gibt das Gefühl bessere Kombinationen zu tippen</a:t>
-            </a:r>
+              <a:t>1 - 49 sortiert nach Häufigkeit</a:t>
+            </a:r>
+          </a:p>
+          <a:p>
+            <a:pPr lvl="1"/>
+            <a:r>
+              <a:rPr lang="de-DE" dirty="0"/>
+              <a:t>Unterteilt in 6 Häufigkeitsbereich (sehr häufig – selten)</a:t>
+            </a:r>
+          </a:p>
+          <a:p>
+            <a:pPr lvl="1"/>
+            <a:r>
+              <a:rPr lang="de-DE" dirty="0"/>
+              <a:t>Zufällige Auswahl einer Zahl pro Häufigkeitsbereich</a:t>
+            </a:r>
+          </a:p>
+          <a:p>
+            <a:r>
+              <a:rPr lang="de-DE" dirty="0"/>
+              <a:t>Suchfunktion: Zahl suchen und Häufigkeit wird angezeigt</a:t>
+            </a:r>
+          </a:p>
+          <a:p>
+            <a:pPr lvl="1"/>
+            <a:r>
+              <a:rPr lang="de-DE" dirty="0"/>
+              <a:t>Fehler tritt auf und lässt sich nicht beheben</a:t>
+            </a:r>
+          </a:p>
+          <a:p>
+            <a:pPr lvl="1"/>
+            <a:endParaRPr lang="de-DE" dirty="0"/>
           </a:p>
         </p:txBody>
       </p:sp>
     </p:spTree>
     <p:extLst>
       <p:ext uri="{BB962C8B-B14F-4D97-AF65-F5344CB8AC3E}">
-        <p14:creationId xmlns:p14="http://schemas.microsoft.com/office/powerpoint/2010/main" val="585973555"/>
+        <p14:creationId xmlns:p14="http://schemas.microsoft.com/office/powerpoint/2010/main" val="3375413490"/>
       </p:ext>
     </p:extLst>
   </p:cSld>
@@ -13341,7 +13535,7 @@
           <p:cNvPr id="2" name="Titel 1">
             <a:extLst>
               <a:ext uri="{FF2B5EF4-FFF2-40B4-BE49-F238E27FC236}">
-                <a16:creationId xmlns:a16="http://schemas.microsoft.com/office/drawing/2014/main" id="{8D75A12F-BA69-4F6C-A041-022C0E35A9E4}"/>
+                <a16:creationId xmlns:a16="http://schemas.microsoft.com/office/drawing/2014/main" id="{A14A436A-63A2-401D-A1B9-2A265364A91C}"/>
               </a:ext>
             </a:extLst>
           </p:cNvPr>
@@ -13359,7 +13553,7 @@
           <a:p>
             <a:r>
               <a:rPr lang="de-DE" dirty="0"/>
-              <a:t>Resultat</a:t>
+              <a:t>Methoden</a:t>
             </a:r>
           </a:p>
         </p:txBody>
@@ -13369,7 +13563,7 @@
           <p:cNvPr id="3" name="Inhaltsplatzhalter 2">
             <a:extLst>
               <a:ext uri="{FF2B5EF4-FFF2-40B4-BE49-F238E27FC236}">
-                <a16:creationId xmlns:a16="http://schemas.microsoft.com/office/drawing/2014/main" id="{177AA439-C03C-4467-92D0-FA6AAF4F6024}"/>
+                <a16:creationId xmlns:a16="http://schemas.microsoft.com/office/drawing/2014/main" id="{1477B56A-C412-4D01-B73A-9FB761F4B9F0}"/>
               </a:ext>
             </a:extLst>
           </p:cNvPr>
@@ -13387,20 +13581,29 @@
           <a:p>
             <a:r>
               <a:rPr lang="de-DE" dirty="0"/>
-              <a:t>Programm, dass ein Lottosystem erstellt</a:t>
+              <a:t>Gewinnt man jetzt sicher im Lotto?</a:t>
             </a:r>
           </a:p>
           <a:p>
             <a:pPr lvl="1"/>
             <a:r>
+              <a:rPr lang="de-DE" sz="3200" b="1" dirty="0"/>
+              <a:t>Nein, </a:t>
+            </a:r>
+            <a:r>
               <a:rPr lang="de-DE" dirty="0"/>
-              <a:t>Erweiterbar, z.B. durch verschiedene Systeme, aus denen man auswählt</a:t>
-            </a:r>
-          </a:p>
-          <a:p>
+              <a:t>weil die Wahrscheinlichkeit 6 Richtige zu tippen gleich bleibt</a:t>
+            </a:r>
+          </a:p>
+          <a:p>
+            <a:pPr lvl="1"/>
+            <a:r>
+              <a:rPr lang="de-DE" sz="3200" b="1" dirty="0"/>
+              <a:t>Aber, </a:t>
+            </a:r>
             <a:r>
               <a:rPr lang="de-DE" dirty="0"/>
-              <a:t>…</a:t>
+              <a:t>es beruht auf Statistik und Wahrscheinlichkeit und gibt das Gefühl bessere Kombinationen zu tippen</a:t>
             </a:r>
           </a:p>
         </p:txBody>
@@ -13408,7 +13611,7 @@
     </p:spTree>
     <p:extLst>
       <p:ext uri="{BB962C8B-B14F-4D97-AF65-F5344CB8AC3E}">
-        <p14:creationId xmlns:p14="http://schemas.microsoft.com/office/powerpoint/2010/main" val="4247930801"/>
+        <p14:creationId xmlns:p14="http://schemas.microsoft.com/office/powerpoint/2010/main" val="585973555"/>
       </p:ext>
     </p:extLst>
   </p:cSld>
